--- a/SBP架構圖.pptx
+++ b/SBP架構圖.pptx
@@ -316,7 +316,7 @@
             <a:fld id="{B61BEF0D-F0BB-DE4B-95CE-6DB70DBA9567}" type="datetimeFigureOut">
               <a:rPr lang="en-US" dirty="0"/>
               <a:pPr/>
-              <a:t>4/29/2019</a:t>
+              <a:t>5/30/2019</a:t>
             </a:fld>
             <a:endParaRPr lang="en-US" dirty="0"/>
           </a:p>
@@ -651,7 +651,7 @@
             <a:fld id="{B61BEF0D-F0BB-DE4B-95CE-6DB70DBA9567}" type="datetimeFigureOut">
               <a:rPr lang="en-US" dirty="0"/>
               <a:pPr/>
-              <a:t>4/29/2019</a:t>
+              <a:t>5/30/2019</a:t>
             </a:fld>
             <a:endParaRPr lang="en-US" dirty="0"/>
           </a:p>
@@ -1049,7 +1049,7 @@
             <a:fld id="{B61BEF0D-F0BB-DE4B-95CE-6DB70DBA9567}" type="datetimeFigureOut">
               <a:rPr lang="en-US" dirty="0"/>
               <a:pPr/>
-              <a:t>4/29/2019</a:t>
+              <a:t>5/30/2019</a:t>
             </a:fld>
             <a:endParaRPr lang="en-US" dirty="0"/>
           </a:p>
@@ -1382,7 +1382,7 @@
             <a:fld id="{B61BEF0D-F0BB-DE4B-95CE-6DB70DBA9567}" type="datetimeFigureOut">
               <a:rPr lang="en-US" dirty="0"/>
               <a:pPr/>
-              <a:t>4/29/2019</a:t>
+              <a:t>5/30/2019</a:t>
             </a:fld>
             <a:endParaRPr lang="en-US" dirty="0"/>
           </a:p>
@@ -1699,7 +1699,7 @@
             <a:fld id="{B61BEF0D-F0BB-DE4B-95CE-6DB70DBA9567}" type="datetimeFigureOut">
               <a:rPr lang="en-US" dirty="0"/>
               <a:pPr/>
-              <a:t>4/29/2019</a:t>
+              <a:t>5/30/2019</a:t>
             </a:fld>
             <a:endParaRPr lang="en-US" dirty="0"/>
           </a:p>
@@ -2092,7 +2092,7 @@
             <a:fld id="{B61BEF0D-F0BB-DE4B-95CE-6DB70DBA9567}" type="datetimeFigureOut">
               <a:rPr lang="en-US" dirty="0"/>
               <a:pPr/>
-              <a:t>4/29/2019</a:t>
+              <a:t>5/30/2019</a:t>
             </a:fld>
             <a:endParaRPr lang="en-US" dirty="0"/>
           </a:p>
@@ -2346,7 +2346,7 @@
             <a:fld id="{B61BEF0D-F0BB-DE4B-95CE-6DB70DBA9567}" type="datetimeFigureOut">
               <a:rPr lang="en-US" dirty="0"/>
               <a:pPr/>
-              <a:t>4/29/2019</a:t>
+              <a:t>5/30/2019</a:t>
             </a:fld>
             <a:endParaRPr lang="en-US" dirty="0"/>
           </a:p>
@@ -2605,7 +2605,7 @@
             <a:fld id="{B61BEF0D-F0BB-DE4B-95CE-6DB70DBA9567}" type="datetimeFigureOut">
               <a:rPr lang="en-US" dirty="0"/>
               <a:pPr/>
-              <a:t>4/29/2019</a:t>
+              <a:t>5/30/2019</a:t>
             </a:fld>
             <a:endParaRPr lang="en-US" dirty="0"/>
           </a:p>
@@ -2864,7 +2864,7 @@
             <a:fld id="{B61BEF0D-F0BB-DE4B-95CE-6DB70DBA9567}" type="datetimeFigureOut">
               <a:rPr lang="en-US" dirty="0"/>
               <a:pPr/>
-              <a:t>4/29/2019</a:t>
+              <a:t>5/30/2019</a:t>
             </a:fld>
             <a:endParaRPr lang="en-US" dirty="0"/>
           </a:p>
@@ -3190,7 +3190,7 @@
             <a:fld id="{B61BEF0D-F0BB-DE4B-95CE-6DB70DBA9567}" type="datetimeFigureOut">
               <a:rPr lang="en-US" dirty="0"/>
               <a:pPr/>
-              <a:t>4/29/2019</a:t>
+              <a:t>5/30/2019</a:t>
             </a:fld>
             <a:endParaRPr lang="en-US" dirty="0"/>
           </a:p>
@@ -3510,7 +3510,7 @@
             <a:fld id="{B61BEF0D-F0BB-DE4B-95CE-6DB70DBA9567}" type="datetimeFigureOut">
               <a:rPr lang="en-US" dirty="0"/>
               <a:pPr/>
-              <a:t>4/29/2019</a:t>
+              <a:t>5/30/2019</a:t>
             </a:fld>
             <a:endParaRPr lang="en-US" dirty="0"/>
           </a:p>
@@ -3964,7 +3964,7 @@
             <a:fld id="{B61BEF0D-F0BB-DE4B-95CE-6DB70DBA9567}" type="datetimeFigureOut">
               <a:rPr lang="en-US" dirty="0"/>
               <a:pPr/>
-              <a:t>4/29/2019</a:t>
+              <a:t>5/30/2019</a:t>
             </a:fld>
             <a:endParaRPr lang="en-US" dirty="0"/>
           </a:p>
@@ -4166,7 +4166,7 @@
             <a:fld id="{B61BEF0D-F0BB-DE4B-95CE-6DB70DBA9567}" type="datetimeFigureOut">
               <a:rPr lang="en-US" dirty="0"/>
               <a:pPr/>
-              <a:t>4/29/2019</a:t>
+              <a:t>5/30/2019</a:t>
             </a:fld>
             <a:endParaRPr lang="en-US" dirty="0"/>
           </a:p>
@@ -4340,7 +4340,7 @@
             <a:fld id="{B61BEF0D-F0BB-DE4B-95CE-6DB70DBA9567}" type="datetimeFigureOut">
               <a:rPr lang="en-US" dirty="0"/>
               <a:pPr/>
-              <a:t>4/29/2019</a:t>
+              <a:t>5/30/2019</a:t>
             </a:fld>
             <a:endParaRPr lang="en-US" dirty="0"/>
           </a:p>
@@ -4670,7 +4670,7 @@
             <a:fld id="{B61BEF0D-F0BB-DE4B-95CE-6DB70DBA9567}" type="datetimeFigureOut">
               <a:rPr lang="en-US" dirty="0"/>
               <a:pPr/>
-              <a:t>4/29/2019</a:t>
+              <a:t>5/30/2019</a:t>
             </a:fld>
             <a:endParaRPr lang="en-US" dirty="0"/>
           </a:p>
@@ -5012,7 +5012,7 @@
             <a:fld id="{B61BEF0D-F0BB-DE4B-95CE-6DB70DBA9567}" type="datetimeFigureOut">
               <a:rPr lang="en-US" dirty="0"/>
               <a:pPr/>
-              <a:t>4/29/2019</a:t>
+              <a:t>5/30/2019</a:t>
             </a:fld>
             <a:endParaRPr lang="en-US" dirty="0"/>
           </a:p>
@@ -7126,7 +7126,7 @@
             <a:fld id="{B61BEF0D-F0BB-DE4B-95CE-6DB70DBA9567}" type="datetimeFigureOut">
               <a:rPr lang="en-US" dirty="0"/>
               <a:pPr/>
-              <a:t>4/29/2019</a:t>
+              <a:t>5/30/2019</a:t>
             </a:fld>
             <a:endParaRPr lang="en-US" dirty="0"/>
           </a:p>
@@ -8789,8 +8789,8 @@
         </p:nvSpPr>
         <p:spPr>
           <a:xfrm>
-            <a:off x="6951611" y="3252424"/>
-            <a:ext cx="1202320" cy="369332"/>
+            <a:off x="6419081" y="3252424"/>
+            <a:ext cx="1734850" cy="369332"/>
           </a:xfrm>
           <a:prstGeom prst="rect">
             <a:avLst/>
@@ -8805,7 +8805,15 @@
           <a:p>
             <a:r>
               <a:rPr lang="zh-TW" altLang="en-US" dirty="0" smtClean="0"/>
-              <a:t>時間驅動</a:t>
+              <a:t>時間</a:t>
+            </a:r>
+            <a:r>
+              <a:rPr lang="en-US" altLang="zh-TW" dirty="0" smtClean="0"/>
+              <a:t>/</a:t>
+            </a:r>
+            <a:r>
+              <a:rPr lang="zh-TW" altLang="en-US" dirty="0" smtClean="0"/>
+              <a:t>事件驅動</a:t>
             </a:r>
             <a:endParaRPr lang="zh-TW" altLang="en-US" dirty="0"/>
           </a:p>
@@ -10562,7 +10570,7 @@
         <p:spPr>
           <a:xfrm>
             <a:off x="6080312" y="3232204"/>
-            <a:ext cx="1202320" cy="369332"/>
+            <a:ext cx="1770862" cy="369332"/>
           </a:xfrm>
           <a:prstGeom prst="rect">
             <a:avLst/>
@@ -10577,7 +10585,15 @@
           <a:p>
             <a:r>
               <a:rPr lang="zh-TW" altLang="en-US" dirty="0" smtClean="0"/>
-              <a:t>時間驅動</a:t>
+              <a:t>時間</a:t>
+            </a:r>
+            <a:r>
+              <a:rPr lang="en-US" altLang="zh-TW" dirty="0"/>
+              <a:t>/</a:t>
+            </a:r>
+            <a:r>
+              <a:rPr lang="zh-TW" altLang="en-US" dirty="0"/>
+              <a:t>事件驅動</a:t>
             </a:r>
             <a:endParaRPr lang="zh-TW" altLang="en-US" dirty="0"/>
           </a:p>
@@ -12553,7 +12569,7 @@
         </p:nvSpPr>
         <p:spPr bwMode="black">
           <a:xfrm>
-            <a:off x="8047915" y="3166492"/>
+            <a:off x="7697618" y="3107529"/>
             <a:ext cx="476651" cy="443669"/>
           </a:xfrm>
           <a:custGeom>
@@ -12892,8 +12908,8 @@
         </p:nvSpPr>
         <p:spPr>
           <a:xfrm>
-            <a:off x="8471852" y="3163544"/>
-            <a:ext cx="1202320" cy="369332"/>
+            <a:off x="8240639" y="3163544"/>
+            <a:ext cx="1660743" cy="369332"/>
           </a:xfrm>
           <a:prstGeom prst="rect">
             <a:avLst/>
@@ -12908,7 +12924,15 @@
           <a:p>
             <a:r>
               <a:rPr lang="zh-TW" altLang="en-US" dirty="0" smtClean="0"/>
-              <a:t>時間驅動</a:t>
+              <a:t>時間</a:t>
+            </a:r>
+            <a:r>
+              <a:rPr lang="en-US" altLang="zh-TW" dirty="0"/>
+              <a:t>/</a:t>
+            </a:r>
+            <a:r>
+              <a:rPr lang="zh-TW" altLang="en-US" dirty="0"/>
+              <a:t>事件驅動</a:t>
             </a:r>
             <a:endParaRPr lang="zh-TW" altLang="en-US" dirty="0"/>
           </a:p>
@@ -14823,7 +14847,7 @@
         </p:nvSpPr>
         <p:spPr bwMode="black">
           <a:xfrm>
-            <a:off x="8674766" y="4294354"/>
+            <a:off x="7452584" y="4534630"/>
             <a:ext cx="476651" cy="443669"/>
           </a:xfrm>
           <a:custGeom>
@@ -15136,8 +15160,8 @@
         </p:nvSpPr>
         <p:spPr>
           <a:xfrm>
-            <a:off x="7415146" y="4362911"/>
-            <a:ext cx="1202320" cy="369332"/>
+            <a:off x="7584894" y="4054434"/>
+            <a:ext cx="1708666" cy="369332"/>
           </a:xfrm>
           <a:prstGeom prst="rect">
             <a:avLst/>
@@ -15152,7 +15176,15 @@
           <a:p>
             <a:r>
               <a:rPr lang="zh-TW" altLang="en-US" dirty="0" smtClean="0"/>
-              <a:t>時間驅動</a:t>
+              <a:t>時間</a:t>
+            </a:r>
+            <a:r>
+              <a:rPr lang="en-US" altLang="zh-TW" dirty="0"/>
+              <a:t>/</a:t>
+            </a:r>
+            <a:r>
+              <a:rPr lang="zh-TW" altLang="en-US" dirty="0"/>
+              <a:t>事件驅動</a:t>
             </a:r>
             <a:endParaRPr lang="zh-TW" altLang="en-US" dirty="0"/>
           </a:p>
@@ -15319,7 +15351,7 @@
         </p:nvSpPr>
         <p:spPr>
           <a:xfrm>
-            <a:off x="1702973" y="2825243"/>
+            <a:off x="1791281" y="2846641"/>
             <a:ext cx="1266086" cy="369332"/>
           </a:xfrm>
           <a:prstGeom prst="rect">
@@ -16771,25 +16803,25 @@
 
 <file path=customXml/item1.xml><?xml version="1.0" encoding="utf-8"?>
 <Control xmlns="http://schemas.microsoft.com/VisualStudio/2011/storyboarding/control">
-  <Id Name="System.Storyboarding.WindowsAppIcons.Web" Revision="1" Stencil="System.Storyboarding.WindowsAppIcons" StencilVersion="0.1"/>
+  <Id Name="57ce005f-4166-4f04-b3e1-8a8b05ea1f06" RevisionId="141682c8-8c74-41ed-b47d-1c2b47fa8f1c" Stencil="172d6d98-e5c9-42e9-a209-79f7a94bbd38" StencilRevisionId="00000000-0000-0000-0000-000000000000" StencilVersion="0.0"/>
 </Control>
 </file>
 
 <file path=customXml/item10.xml><?xml version="1.0" encoding="utf-8"?>
 <Control xmlns="http://schemas.microsoft.com/VisualStudio/2011/storyboarding/control">
-  <Id Name="System.Storyboarding.WindowsAppIcons.Alarm" Revision="1" Stencil="System.Storyboarding.WindowsAppIcons" StencilVersion="0.1"/>
+  <Id Name="761a6736-8b3b-4f55-b15e-48818de58055" Revision="1" Stencil="85a07843-b809-41ee-b566-325b1850150a" StencilVersion="1.0"/>
 </Control>
 </file>
 
 <file path=customXml/item11.xml><?xml version="1.0" encoding="utf-8"?>
 <Control xmlns="http://schemas.microsoft.com/VisualStudio/2011/storyboarding/control">
-  <Id Name="57ce005f-4166-4f04-b3e1-8a8b05ea1f06" RevisionId="141682c8-8c74-41ed-b47d-1c2b47fa8f1c" Stencil="172d6d98-e5c9-42e9-a209-79f7a94bbd38" StencilRevisionId="00000000-0000-0000-0000-000000000000" StencilVersion="0.0"/>
+  <Id Name="System.Storyboarding.WindowsAppIcons.Alarm" Revision="1" Stencil="System.Storyboarding.WindowsAppIcons" StencilVersion="0.1"/>
 </Control>
 </file>
 
 <file path=customXml/item12.xml><?xml version="1.0" encoding="utf-8"?>
 <Control xmlns="http://schemas.microsoft.com/VisualStudio/2011/storyboarding/control">
-  <Id Name="System.Storyboarding.WindowsAppIcons.Web" Revision="1" Stencil="System.Storyboarding.WindowsAppIcons" StencilVersion="0.1"/>
+  <Id Name="System.Storyboarding.WindowsAppIcons.Alarm" Revision="1" Stencil="System.Storyboarding.WindowsAppIcons" StencilVersion="0.1"/>
 </Control>
 </file>
 
@@ -16801,7 +16833,7 @@
 
 <file path=customXml/item14.xml><?xml version="1.0" encoding="utf-8"?>
 <Control xmlns="http://schemas.microsoft.com/VisualStudio/2011/storyboarding/control">
-  <Id Name="57ce005f-4166-4f04-b3e1-8a8b05ea1f06" RevisionId="141682c8-8c74-41ed-b47d-1c2b47fa8f1c" Stencil="172d6d98-e5c9-42e9-a209-79f7a94bbd38" StencilRevisionId="00000000-0000-0000-0000-000000000000" StencilVersion="0.0"/>
+  <Id Name="366cd925-969f-44e1-b789-354cb31b0dfd" RevisionId="87c5073a-f3d6-4c7e-a7b7-c9586eacad3b" Stencil="172d6d98-e5c9-42e9-a209-79f7a94bbd38" StencilRevisionId="00000000-0000-0000-0000-000000000000" StencilVersion="0.0"/>
 </Control>
 </file>
 
@@ -16813,13 +16845,13 @@
 
 <file path=customXml/item16.xml><?xml version="1.0" encoding="utf-8"?>
 <Control xmlns="http://schemas.microsoft.com/VisualStudio/2011/storyboarding/control">
-  <Id Name="57ce005f-4166-4f04-b3e1-8a8b05ea1f06" RevisionId="141682c8-8c74-41ed-b47d-1c2b47fa8f1c" Stencil="172d6d98-e5c9-42e9-a209-79f7a94bbd38" StencilRevisionId="00000000-0000-0000-0000-000000000000" StencilVersion="0.0"/>
+  <Id Name="System.Storyboarding.WindowsAppIcons.Web" Revision="1" Stencil="System.Storyboarding.WindowsAppIcons" StencilVersion="0.1"/>
 </Control>
 </file>
 
 <file path=customXml/item17.xml><?xml version="1.0" encoding="utf-8"?>
 <Control xmlns="http://schemas.microsoft.com/VisualStudio/2011/storyboarding/control">
-  <Id Name="System.Storyboarding.WindowsAppIcons.Web" Revision="1" Stencil="System.Storyboarding.WindowsAppIcons" StencilVersion="0.1"/>
+  <Id Name="System.Storyboarding.WindowsAppIcons.Alarm" Revision="1" Stencil="System.Storyboarding.WindowsAppIcons" StencilVersion="0.1"/>
 </Control>
 </file>
 
@@ -16843,7 +16875,7 @@
 
 <file path=customXml/item20.xml><?xml version="1.0" encoding="utf-8"?>
 <Control xmlns="http://schemas.microsoft.com/VisualStudio/2011/storyboarding/control">
-  <Id Name="57ce005f-4166-4f04-b3e1-8a8b05ea1f06" RevisionId="141682c8-8c74-41ed-b47d-1c2b47fa8f1c" Stencil="172d6d98-e5c9-42e9-a209-79f7a94bbd38" StencilRevisionId="00000000-0000-0000-0000-000000000000" StencilVersion="0.0"/>
+  <Id Name="761a6736-8b3b-4f55-b15e-48818de58055" Revision="1" Stencil="85a07843-b809-41ee-b566-325b1850150a" StencilVersion="1.0"/>
 </Control>
 </file>
 
@@ -16855,13 +16887,13 @@
 
 <file path=customXml/item22.xml><?xml version="1.0" encoding="utf-8"?>
 <Control xmlns="http://schemas.microsoft.com/VisualStudio/2011/storyboarding/control">
-  <Id Name="System.Storyboarding.WindowsAppIcons.Web" Revision="1" Stencil="System.Storyboarding.WindowsAppIcons" StencilVersion="0.1"/>
+  <Id Name="761a6736-8b3b-4f55-b15e-48818de58055" Revision="1" Stencil="85a07843-b809-41ee-b566-325b1850150a" StencilVersion="1.0"/>
 </Control>
 </file>
 
 <file path=customXml/item23.xml><?xml version="1.0" encoding="utf-8"?>
 <Control xmlns="http://schemas.microsoft.com/VisualStudio/2011/storyboarding/control">
-  <Id Name="761a6736-8b3b-4f55-b15e-48818de58055" Revision="1" Stencil="85a07843-b809-41ee-b566-325b1850150a" StencilVersion="1.0"/>
+  <Id Name="System.Storyboarding.WindowsAppIcons.Right" Revision="1" Stencil="System.Storyboarding.WindowsAppIcons" StencilVersion="0.1"/>
 </Control>
 </file>
 
@@ -16873,7 +16905,7 @@
 
 <file path=customXml/item25.xml><?xml version="1.0" encoding="utf-8"?>
 <Control xmlns="http://schemas.microsoft.com/VisualStudio/2011/storyboarding/control">
-  <Id Name="761a6736-8b3b-4f55-b15e-48818de58055" Revision="1" Stencil="85a07843-b809-41ee-b566-325b1850150a" StencilVersion="1.0"/>
+  <Id Name="System.Storyboarding.WindowsAppIcons.Web" Revision="1" Stencil="System.Storyboarding.WindowsAppIcons" StencilVersion="0.1"/>
 </Control>
 </file>
 
@@ -16885,47 +16917,207 @@
 
 <file path=customXml/item3.xml><?xml version="1.0" encoding="utf-8"?>
 <Control xmlns="http://schemas.microsoft.com/VisualStudio/2011/storyboarding/control">
-  <Id Name="761a6736-8b3b-4f55-b15e-48818de58055" Revision="1" Stencil="85a07843-b809-41ee-b566-325b1850150a" StencilVersion="1.0"/>
+  <Id Name="57ce005f-4166-4f04-b3e1-8a8b05ea1f06" RevisionId="141682c8-8c74-41ed-b47d-1c2b47fa8f1c" Stencil="172d6d98-e5c9-42e9-a209-79f7a94bbd38" StencilRevisionId="00000000-0000-0000-0000-000000000000" StencilVersion="0.0"/>
 </Control>
 </file>
 
 <file path=customXml/item4.xml><?xml version="1.0" encoding="utf-8"?>
 <Control xmlns="http://schemas.microsoft.com/VisualStudio/2011/storyboarding/control">
-  <Id Name="System.Storyboarding.WindowsAppIcons.Alarm" Revision="1" Stencil="System.Storyboarding.WindowsAppIcons" StencilVersion="0.1"/>
+  <Id Name="System.Storyboarding.WindowsAppIcons.Web" Revision="1" Stencil="System.Storyboarding.WindowsAppIcons" StencilVersion="0.1"/>
 </Control>
 </file>
 
 <file path=customXml/item5.xml><?xml version="1.0" encoding="utf-8"?>
 <Control xmlns="http://schemas.microsoft.com/VisualStudio/2011/storyboarding/control">
-  <Id Name="57ce005f-4166-4f04-b3e1-8a8b05ea1f06" RevisionId="141682c8-8c74-41ed-b47d-1c2b47fa8f1c" Stencil="172d6d98-e5c9-42e9-a209-79f7a94bbd38" StencilRevisionId="00000000-0000-0000-0000-000000000000" StencilVersion="0.0"/>
+  <Id Name="System.Storyboarding.WindowsAppIcons.Web" Revision="1" Stencil="System.Storyboarding.WindowsAppIcons" StencilVersion="0.1"/>
 </Control>
 </file>
 
 <file path=customXml/item6.xml><?xml version="1.0" encoding="utf-8"?>
 <Control xmlns="http://schemas.microsoft.com/VisualStudio/2011/storyboarding/control">
-  <Id Name="System.Storyboarding.WindowsAppIcons.Web" Revision="1" Stencil="System.Storyboarding.WindowsAppIcons" StencilVersion="0.1"/>
+  <Id Name="57ce005f-4166-4f04-b3e1-8a8b05ea1f06" RevisionId="141682c8-8c74-41ed-b47d-1c2b47fa8f1c" Stencil="172d6d98-e5c9-42e9-a209-79f7a94bbd38" StencilRevisionId="00000000-0000-0000-0000-000000000000" StencilVersion="0.0"/>
 </Control>
 </file>
 
 <file path=customXml/item7.xml><?xml version="1.0" encoding="utf-8"?>
 <Control xmlns="http://schemas.microsoft.com/VisualStudio/2011/storyboarding/control">
-  <Id Name="System.Storyboarding.WindowsAppIcons.Right" Revision="1" Stencil="System.Storyboarding.WindowsAppIcons" StencilVersion="0.1"/>
+  <Id Name="System.Storyboarding.WindowsAppIcons.Web" Revision="1" Stencil="System.Storyboarding.WindowsAppIcons" StencilVersion="0.1"/>
 </Control>
 </file>
 
 <file path=customXml/item8.xml><?xml version="1.0" encoding="utf-8"?>
 <Control xmlns="http://schemas.microsoft.com/VisualStudio/2011/storyboarding/control">
-  <Id Name="System.Storyboarding.WindowsAppIcons.Alarm" Revision="1" Stencil="System.Storyboarding.WindowsAppIcons" StencilVersion="0.1"/>
+  <Id Name="57ce005f-4166-4f04-b3e1-8a8b05ea1f06" RevisionId="141682c8-8c74-41ed-b47d-1c2b47fa8f1c" Stencil="172d6d98-e5c9-42e9-a209-79f7a94bbd38" StencilRevisionId="00000000-0000-0000-0000-000000000000" StencilVersion="0.0"/>
 </Control>
 </file>
 
 <file path=customXml/item9.xml><?xml version="1.0" encoding="utf-8"?>
 <Control xmlns="http://schemas.microsoft.com/VisualStudio/2011/storyboarding/control">
-  <Id Name="366cd925-969f-44e1-b789-354cb31b0dfd" RevisionId="87c5073a-f3d6-4c7e-a7b7-c9586eacad3b" Stencil="172d6d98-e5c9-42e9-a209-79f7a94bbd38" StencilRevisionId="00000000-0000-0000-0000-000000000000" StencilVersion="0.0"/>
+  <Id Name="57ce005f-4166-4f04-b3e1-8a8b05ea1f06" RevisionId="141682c8-8c74-41ed-b47d-1c2b47fa8f1c" Stencil="172d6d98-e5c9-42e9-a209-79f7a94bbd38" StencilRevisionId="00000000-0000-0000-0000-000000000000" StencilVersion="0.0"/>
 </Control>
 </file>
 
 <file path=customXml/itemProps1.xml><?xml version="1.0" encoding="utf-8"?>
+<ds:datastoreItem xmlns:ds="http://schemas.openxmlformats.org/officeDocument/2006/customXml" ds:itemID="{5731EF05-EFDB-44BF-B766-CF479308FD64}">
+  <ds:schemaRefs>
+    <ds:schemaRef ds:uri="http://schemas.microsoft.com/VisualStudio/2011/storyboarding/control"/>
+  </ds:schemaRefs>
+</ds:datastoreItem>
+</file>
+
+<file path=customXml/itemProps10.xml><?xml version="1.0" encoding="utf-8"?>
+<ds:datastoreItem xmlns:ds="http://schemas.openxmlformats.org/officeDocument/2006/customXml" ds:itemID="{4780157E-5417-4F95-B79A-A1EA619F0782}">
+  <ds:schemaRefs>
+    <ds:schemaRef ds:uri="http://schemas.microsoft.com/VisualStudio/2011/storyboarding/control"/>
+  </ds:schemaRefs>
+</ds:datastoreItem>
+</file>
+
+<file path=customXml/itemProps11.xml><?xml version="1.0" encoding="utf-8"?>
+<ds:datastoreItem xmlns:ds="http://schemas.openxmlformats.org/officeDocument/2006/customXml" ds:itemID="{5550C4AD-84E5-4BCB-B03A-6396ECBD9EAB}">
+  <ds:schemaRefs>
+    <ds:schemaRef ds:uri="http://schemas.microsoft.com/VisualStudio/2011/storyboarding/control"/>
+  </ds:schemaRefs>
+</ds:datastoreItem>
+</file>
+
+<file path=customXml/itemProps12.xml><?xml version="1.0" encoding="utf-8"?>
+<ds:datastoreItem xmlns:ds="http://schemas.openxmlformats.org/officeDocument/2006/customXml" ds:itemID="{5F482AC2-392C-4207-B790-F30374686498}">
+  <ds:schemaRefs>
+    <ds:schemaRef ds:uri="http://schemas.microsoft.com/VisualStudio/2011/storyboarding/control"/>
+  </ds:schemaRefs>
+</ds:datastoreItem>
+</file>
+
+<file path=customXml/itemProps13.xml><?xml version="1.0" encoding="utf-8"?>
+<ds:datastoreItem xmlns:ds="http://schemas.openxmlformats.org/officeDocument/2006/customXml" ds:itemID="{0374B0B6-586C-4E72-BE0A-33481CBFA899}">
+  <ds:schemaRefs>
+    <ds:schemaRef ds:uri="http://schemas.microsoft.com/VisualStudio/2011/storyboarding/control"/>
+  </ds:schemaRefs>
+</ds:datastoreItem>
+</file>
+
+<file path=customXml/itemProps14.xml><?xml version="1.0" encoding="utf-8"?>
+<ds:datastoreItem xmlns:ds="http://schemas.openxmlformats.org/officeDocument/2006/customXml" ds:itemID="{DBACCEAD-B58D-41CC-8B2C-516EFE153735}">
+  <ds:schemaRefs>
+    <ds:schemaRef ds:uri="http://schemas.microsoft.com/VisualStudio/2011/storyboarding/control"/>
+  </ds:schemaRefs>
+</ds:datastoreItem>
+</file>
+
+<file path=customXml/itemProps15.xml><?xml version="1.0" encoding="utf-8"?>
+<ds:datastoreItem xmlns:ds="http://schemas.openxmlformats.org/officeDocument/2006/customXml" ds:itemID="{148D5DCF-151E-4015-B476-A25CC99190CA}">
+  <ds:schemaRefs>
+    <ds:schemaRef ds:uri="http://schemas.microsoft.com/VisualStudio/2011/storyboarding/control"/>
+  </ds:schemaRefs>
+</ds:datastoreItem>
+</file>
+
+<file path=customXml/itemProps16.xml><?xml version="1.0" encoding="utf-8"?>
+<ds:datastoreItem xmlns:ds="http://schemas.openxmlformats.org/officeDocument/2006/customXml" ds:itemID="{07EE8327-F650-4928-B7D3-3172D22F4B30}">
+  <ds:schemaRefs>
+    <ds:schemaRef ds:uri="http://schemas.microsoft.com/VisualStudio/2011/storyboarding/control"/>
+  </ds:schemaRefs>
+</ds:datastoreItem>
+</file>
+
+<file path=customXml/itemProps17.xml><?xml version="1.0" encoding="utf-8"?>
+<ds:datastoreItem xmlns:ds="http://schemas.openxmlformats.org/officeDocument/2006/customXml" ds:itemID="{ABFE2FA2-C5FC-44B7-8207-D63AF1B2F796}">
+  <ds:schemaRefs>
+    <ds:schemaRef ds:uri="http://schemas.microsoft.com/VisualStudio/2011/storyboarding/control"/>
+  </ds:schemaRefs>
+</ds:datastoreItem>
+</file>
+
+<file path=customXml/itemProps18.xml><?xml version="1.0" encoding="utf-8"?>
+<ds:datastoreItem xmlns:ds="http://schemas.openxmlformats.org/officeDocument/2006/customXml" ds:itemID="{68E586DB-1ED8-4542-A7B3-A4CE833063DD}">
+  <ds:schemaRefs>
+    <ds:schemaRef ds:uri="http://schemas.microsoft.com/VisualStudio/2011/storyboarding/control"/>
+  </ds:schemaRefs>
+</ds:datastoreItem>
+</file>
+
+<file path=customXml/itemProps19.xml><?xml version="1.0" encoding="utf-8"?>
+<ds:datastoreItem xmlns:ds="http://schemas.openxmlformats.org/officeDocument/2006/customXml" ds:itemID="{B0860B91-8879-4B7A-B22F-450821A19C5E}">
+  <ds:schemaRefs>
+    <ds:schemaRef ds:uri="http://schemas.microsoft.com/VisualStudio/2011/storyboarding/control"/>
+  </ds:schemaRefs>
+</ds:datastoreItem>
+</file>
+
+<file path=customXml/itemProps2.xml><?xml version="1.0" encoding="utf-8"?>
+<ds:datastoreItem xmlns:ds="http://schemas.openxmlformats.org/officeDocument/2006/customXml" ds:itemID="{A6BC2F24-0066-4BE5-824C-AA4012B1F646}">
+  <ds:schemaRefs>
+    <ds:schemaRef ds:uri="http://schemas.microsoft.com/VisualStudio/2011/storyboarding/control"/>
+  </ds:schemaRefs>
+</ds:datastoreItem>
+</file>
+
+<file path=customXml/itemProps20.xml><?xml version="1.0" encoding="utf-8"?>
+<ds:datastoreItem xmlns:ds="http://schemas.openxmlformats.org/officeDocument/2006/customXml" ds:itemID="{DFB9CBAB-EFB7-4D9A-A657-9AB274B3E7E0}">
+  <ds:schemaRefs>
+    <ds:schemaRef ds:uri="http://schemas.microsoft.com/VisualStudio/2011/storyboarding/control"/>
+  </ds:schemaRefs>
+</ds:datastoreItem>
+</file>
+
+<file path=customXml/itemProps21.xml><?xml version="1.0" encoding="utf-8"?>
+<ds:datastoreItem xmlns:ds="http://schemas.openxmlformats.org/officeDocument/2006/customXml" ds:itemID="{183AA98E-A099-4A99-99B9-AB5F79FF6E61}">
+  <ds:schemaRefs>
+    <ds:schemaRef ds:uri="http://schemas.microsoft.com/VisualStudio/2011/storyboarding/control"/>
+  </ds:schemaRefs>
+</ds:datastoreItem>
+</file>
+
+<file path=customXml/itemProps22.xml><?xml version="1.0" encoding="utf-8"?>
+<ds:datastoreItem xmlns:ds="http://schemas.openxmlformats.org/officeDocument/2006/customXml" ds:itemID="{40DB16A7-7EFE-4032-9655-E56720B3E45A}">
+  <ds:schemaRefs>
+    <ds:schemaRef ds:uri="http://schemas.microsoft.com/VisualStudio/2011/storyboarding/control"/>
+  </ds:schemaRefs>
+</ds:datastoreItem>
+</file>
+
+<file path=customXml/itemProps23.xml><?xml version="1.0" encoding="utf-8"?>
+<ds:datastoreItem xmlns:ds="http://schemas.openxmlformats.org/officeDocument/2006/customXml" ds:itemID="{03DCA9E6-877C-45F6-9B5C-B4DB27736794}">
+  <ds:schemaRefs>
+    <ds:schemaRef ds:uri="http://schemas.microsoft.com/VisualStudio/2011/storyboarding/control"/>
+  </ds:schemaRefs>
+</ds:datastoreItem>
+</file>
+
+<file path=customXml/itemProps24.xml><?xml version="1.0" encoding="utf-8"?>
+<ds:datastoreItem xmlns:ds="http://schemas.openxmlformats.org/officeDocument/2006/customXml" ds:itemID="{F886C5C4-549C-4140-8C8F-17B1D9AAB60E}">
+  <ds:schemaRefs>
+    <ds:schemaRef ds:uri="http://schemas.microsoft.com/VisualStudio/2011/storyboarding/control"/>
+  </ds:schemaRefs>
+</ds:datastoreItem>
+</file>
+
+<file path=customXml/itemProps25.xml><?xml version="1.0" encoding="utf-8"?>
+<ds:datastoreItem xmlns:ds="http://schemas.openxmlformats.org/officeDocument/2006/customXml" ds:itemID="{5B8C7E0A-D284-4808-8CF0-3F459CAC4B8A}">
+  <ds:schemaRefs>
+    <ds:schemaRef ds:uri="http://schemas.microsoft.com/VisualStudio/2011/storyboarding/control"/>
+  </ds:schemaRefs>
+</ds:datastoreItem>
+</file>
+
+<file path=customXml/itemProps26.xml><?xml version="1.0" encoding="utf-8"?>
+<ds:datastoreItem xmlns:ds="http://schemas.openxmlformats.org/officeDocument/2006/customXml" ds:itemID="{AA360F50-5958-4B0C-896E-C0D4873DBC69}">
+  <ds:schemaRefs>
+    <ds:schemaRef ds:uri="http://schemas.microsoft.com/VisualStudio/2011/storyboarding/control"/>
+  </ds:schemaRefs>
+</ds:datastoreItem>
+</file>
+
+<file path=customXml/itemProps3.xml><?xml version="1.0" encoding="utf-8"?>
+<ds:datastoreItem xmlns:ds="http://schemas.openxmlformats.org/officeDocument/2006/customXml" ds:itemID="{68810301-6691-4A1C-B59B-76AF86FC6BBE}">
+  <ds:schemaRefs>
+    <ds:schemaRef ds:uri="http://schemas.microsoft.com/VisualStudio/2011/storyboarding/control"/>
+  </ds:schemaRefs>
+</ds:datastoreItem>
+</file>
+
+<file path=customXml/itemProps4.xml><?xml version="1.0" encoding="utf-8"?>
 <ds:datastoreItem xmlns:ds="http://schemas.openxmlformats.org/officeDocument/2006/customXml" ds:itemID="{F3A3437F-FECB-45DF-90FF-DD804982CC4A}">
   <ds:schemaRefs>
     <ds:schemaRef ds:uri="http://schemas.microsoft.com/VisualStudio/2011/storyboarding/control"/>
@@ -16933,15 +17125,15 @@
 </ds:datastoreItem>
 </file>
 
-<file path=customXml/itemProps10.xml><?xml version="1.0" encoding="utf-8"?>
-<ds:datastoreItem xmlns:ds="http://schemas.openxmlformats.org/officeDocument/2006/customXml" ds:itemID="{5550C4AD-84E5-4BCB-B03A-6396ECBD9EAB}">
+<file path=customXml/itemProps5.xml><?xml version="1.0" encoding="utf-8"?>
+<ds:datastoreItem xmlns:ds="http://schemas.openxmlformats.org/officeDocument/2006/customXml" ds:itemID="{9A473A1C-B9AB-4B5F-8E45-F989559A8DF5}">
   <ds:schemaRefs>
     <ds:schemaRef ds:uri="http://schemas.microsoft.com/VisualStudio/2011/storyboarding/control"/>
   </ds:schemaRefs>
 </ds:datastoreItem>
 </file>
 
-<file path=customXml/itemProps11.xml><?xml version="1.0" encoding="utf-8"?>
+<file path=customXml/itemProps6.xml><?xml version="1.0" encoding="utf-8"?>
 <ds:datastoreItem xmlns:ds="http://schemas.openxmlformats.org/officeDocument/2006/customXml" ds:itemID="{89BBAA15-2AC5-4A20-B9F4-02F53D04C7C6}">
   <ds:schemaRefs>
     <ds:schemaRef ds:uri="http://schemas.microsoft.com/VisualStudio/2011/storyboarding/control"/>
@@ -16949,111 +17141,7 @@
 </ds:datastoreItem>
 </file>
 
-<file path=customXml/itemProps12.xml><?xml version="1.0" encoding="utf-8"?>
-<ds:datastoreItem xmlns:ds="http://schemas.openxmlformats.org/officeDocument/2006/customXml" ds:itemID="{F886C5C4-549C-4140-8C8F-17B1D9AAB60E}">
-  <ds:schemaRefs>
-    <ds:schemaRef ds:uri="http://schemas.microsoft.com/VisualStudio/2011/storyboarding/control"/>
-  </ds:schemaRefs>
-</ds:datastoreItem>
-</file>
-
-<file path=customXml/itemProps13.xml><?xml version="1.0" encoding="utf-8"?>
-<ds:datastoreItem xmlns:ds="http://schemas.openxmlformats.org/officeDocument/2006/customXml" ds:itemID="{68E586DB-1ED8-4542-A7B3-A4CE833063DD}">
-  <ds:schemaRefs>
-    <ds:schemaRef ds:uri="http://schemas.microsoft.com/VisualStudio/2011/storyboarding/control"/>
-  </ds:schemaRefs>
-</ds:datastoreItem>
-</file>
-
-<file path=customXml/itemProps14.xml><?xml version="1.0" encoding="utf-8"?>
-<ds:datastoreItem xmlns:ds="http://schemas.openxmlformats.org/officeDocument/2006/customXml" ds:itemID="{148D5DCF-151E-4015-B476-A25CC99190CA}">
-  <ds:schemaRefs>
-    <ds:schemaRef ds:uri="http://schemas.microsoft.com/VisualStudio/2011/storyboarding/control"/>
-  </ds:schemaRefs>
-</ds:datastoreItem>
-</file>
-
-<file path=customXml/itemProps15.xml><?xml version="1.0" encoding="utf-8"?>
-<ds:datastoreItem xmlns:ds="http://schemas.openxmlformats.org/officeDocument/2006/customXml" ds:itemID="{E9B23BC6-07EE-40E2-8F3C-7CE3FB077A0F}">
-  <ds:schemaRefs>
-    <ds:schemaRef ds:uri="http://schemas.microsoft.com/VisualStudio/2011/storyboarding/control"/>
-  </ds:schemaRefs>
-</ds:datastoreItem>
-</file>
-
-<file path=customXml/itemProps16.xml><?xml version="1.0" encoding="utf-8"?>
-<ds:datastoreItem xmlns:ds="http://schemas.openxmlformats.org/officeDocument/2006/customXml" ds:itemID="{A6BC2F24-0066-4BE5-824C-AA4012B1F646}">
-  <ds:schemaRefs>
-    <ds:schemaRef ds:uri="http://schemas.microsoft.com/VisualStudio/2011/storyboarding/control"/>
-  </ds:schemaRefs>
-</ds:datastoreItem>
-</file>
-
-<file path=customXml/itemProps17.xml><?xml version="1.0" encoding="utf-8"?>
-<ds:datastoreItem xmlns:ds="http://schemas.openxmlformats.org/officeDocument/2006/customXml" ds:itemID="{5B8C7E0A-D284-4808-8CF0-3F459CAC4B8A}">
-  <ds:schemaRefs>
-    <ds:schemaRef ds:uri="http://schemas.microsoft.com/VisualStudio/2011/storyboarding/control"/>
-  </ds:schemaRefs>
-</ds:datastoreItem>
-</file>
-
-<file path=customXml/itemProps18.xml><?xml version="1.0" encoding="utf-8"?>
-<ds:datastoreItem xmlns:ds="http://schemas.openxmlformats.org/officeDocument/2006/customXml" ds:itemID="{B0860B91-8879-4B7A-B22F-450821A19C5E}">
-  <ds:schemaRefs>
-    <ds:schemaRef ds:uri="http://schemas.microsoft.com/VisualStudio/2011/storyboarding/control"/>
-  </ds:schemaRefs>
-</ds:datastoreItem>
-</file>
-
-<file path=customXml/itemProps19.xml><?xml version="1.0" encoding="utf-8"?>
-<ds:datastoreItem xmlns:ds="http://schemas.openxmlformats.org/officeDocument/2006/customXml" ds:itemID="{5F482AC2-392C-4207-B790-F30374686498}">
-  <ds:schemaRefs>
-    <ds:schemaRef ds:uri="http://schemas.microsoft.com/VisualStudio/2011/storyboarding/control"/>
-  </ds:schemaRefs>
-</ds:datastoreItem>
-</file>
-
-<file path=customXml/itemProps2.xml><?xml version="1.0" encoding="utf-8"?>
-<ds:datastoreItem xmlns:ds="http://schemas.openxmlformats.org/officeDocument/2006/customXml" ds:itemID="{5731EF05-EFDB-44BF-B766-CF479308FD64}">
-  <ds:schemaRefs>
-    <ds:schemaRef ds:uri="http://schemas.microsoft.com/VisualStudio/2011/storyboarding/control"/>
-  </ds:schemaRefs>
-</ds:datastoreItem>
-</file>
-
-<file path=customXml/itemProps20.xml><?xml version="1.0" encoding="utf-8"?>
-<ds:datastoreItem xmlns:ds="http://schemas.openxmlformats.org/officeDocument/2006/customXml" ds:itemID="{68810301-6691-4A1C-B59B-76AF86FC6BBE}">
-  <ds:schemaRefs>
-    <ds:schemaRef ds:uri="http://schemas.microsoft.com/VisualStudio/2011/storyboarding/control"/>
-  </ds:schemaRefs>
-</ds:datastoreItem>
-</file>
-
-<file path=customXml/itemProps21.xml><?xml version="1.0" encoding="utf-8"?>
-<ds:datastoreItem xmlns:ds="http://schemas.openxmlformats.org/officeDocument/2006/customXml" ds:itemID="{40DB16A7-7EFE-4032-9655-E56720B3E45A}">
-  <ds:schemaRefs>
-    <ds:schemaRef ds:uri="http://schemas.microsoft.com/VisualStudio/2011/storyboarding/control"/>
-  </ds:schemaRefs>
-</ds:datastoreItem>
-</file>
-
-<file path=customXml/itemProps22.xml><?xml version="1.0" encoding="utf-8"?>
-<ds:datastoreItem xmlns:ds="http://schemas.openxmlformats.org/officeDocument/2006/customXml" ds:itemID="{07EE8327-F650-4928-B7D3-3172D22F4B30}">
-  <ds:schemaRefs>
-    <ds:schemaRef ds:uri="http://schemas.microsoft.com/VisualStudio/2011/storyboarding/control"/>
-  </ds:schemaRefs>
-</ds:datastoreItem>
-</file>
-
-<file path=customXml/itemProps23.xml><?xml version="1.0" encoding="utf-8"?>
-<ds:datastoreItem xmlns:ds="http://schemas.openxmlformats.org/officeDocument/2006/customXml" ds:itemID="{4780157E-5417-4F95-B79A-A1EA619F0782}">
-  <ds:schemaRefs>
-    <ds:schemaRef ds:uri="http://schemas.microsoft.com/VisualStudio/2011/storyboarding/control"/>
-  </ds:schemaRefs>
-</ds:datastoreItem>
-</file>
-
-<file path=customXml/itemProps24.xml><?xml version="1.0" encoding="utf-8"?>
+<file path=customXml/itemProps7.xml><?xml version="1.0" encoding="utf-8"?>
 <ds:datastoreItem xmlns:ds="http://schemas.openxmlformats.org/officeDocument/2006/customXml" ds:itemID="{C92F7AA4-4A23-40D4-8330-F85E9CDA4BF5}">
   <ds:schemaRefs>
     <ds:schemaRef ds:uri="http://schemas.microsoft.com/VisualStudio/2011/storyboarding/control"/>
@@ -17061,39 +17149,7 @@
 </ds:datastoreItem>
 </file>
 
-<file path=customXml/itemProps25.xml><?xml version="1.0" encoding="utf-8"?>
-<ds:datastoreItem xmlns:ds="http://schemas.openxmlformats.org/officeDocument/2006/customXml" ds:itemID="{AA360F50-5958-4B0C-896E-C0D4873DBC69}">
-  <ds:schemaRefs>
-    <ds:schemaRef ds:uri="http://schemas.microsoft.com/VisualStudio/2011/storyboarding/control"/>
-  </ds:schemaRefs>
-</ds:datastoreItem>
-</file>
-
-<file path=customXml/itemProps26.xml><?xml version="1.0" encoding="utf-8"?>
-<ds:datastoreItem xmlns:ds="http://schemas.openxmlformats.org/officeDocument/2006/customXml" ds:itemID="{DFB9CBAB-EFB7-4D9A-A657-9AB274B3E7E0}">
-  <ds:schemaRefs>
-    <ds:schemaRef ds:uri="http://schemas.microsoft.com/VisualStudio/2011/storyboarding/control"/>
-  </ds:schemaRefs>
-</ds:datastoreItem>
-</file>
-
-<file path=customXml/itemProps3.xml><?xml version="1.0" encoding="utf-8"?>
-<ds:datastoreItem xmlns:ds="http://schemas.openxmlformats.org/officeDocument/2006/customXml" ds:itemID="{183AA98E-A099-4A99-99B9-AB5F79FF6E61}">
-  <ds:schemaRefs>
-    <ds:schemaRef ds:uri="http://schemas.microsoft.com/VisualStudio/2011/storyboarding/control"/>
-  </ds:schemaRefs>
-</ds:datastoreItem>
-</file>
-
-<file path=customXml/itemProps4.xml><?xml version="1.0" encoding="utf-8"?>
-<ds:datastoreItem xmlns:ds="http://schemas.openxmlformats.org/officeDocument/2006/customXml" ds:itemID="{0374B0B6-586C-4E72-BE0A-33481CBFA899}">
-  <ds:schemaRefs>
-    <ds:schemaRef ds:uri="http://schemas.microsoft.com/VisualStudio/2011/storyboarding/control"/>
-  </ds:schemaRefs>
-</ds:datastoreItem>
-</file>
-
-<file path=customXml/itemProps5.xml><?xml version="1.0" encoding="utf-8"?>
+<file path=customXml/itemProps8.xml><?xml version="1.0" encoding="utf-8"?>
 <ds:datastoreItem xmlns:ds="http://schemas.openxmlformats.org/officeDocument/2006/customXml" ds:itemID="{6CC58CDE-8F96-4095-BDED-8A47ABD727EE}">
   <ds:schemaRefs>
     <ds:schemaRef ds:uri="http://schemas.microsoft.com/VisualStudio/2011/storyboarding/control"/>
@@ -17101,32 +17157,8 @@
 </ds:datastoreItem>
 </file>
 
-<file path=customXml/itemProps6.xml><?xml version="1.0" encoding="utf-8"?>
-<ds:datastoreItem xmlns:ds="http://schemas.openxmlformats.org/officeDocument/2006/customXml" ds:itemID="{9A473A1C-B9AB-4B5F-8E45-F989559A8DF5}">
-  <ds:schemaRefs>
-    <ds:schemaRef ds:uri="http://schemas.microsoft.com/VisualStudio/2011/storyboarding/control"/>
-  </ds:schemaRefs>
-</ds:datastoreItem>
-</file>
-
-<file path=customXml/itemProps7.xml><?xml version="1.0" encoding="utf-8"?>
-<ds:datastoreItem xmlns:ds="http://schemas.openxmlformats.org/officeDocument/2006/customXml" ds:itemID="{03DCA9E6-877C-45F6-9B5C-B4DB27736794}">
-  <ds:schemaRefs>
-    <ds:schemaRef ds:uri="http://schemas.microsoft.com/VisualStudio/2011/storyboarding/control"/>
-  </ds:schemaRefs>
-</ds:datastoreItem>
-</file>
-
-<file path=customXml/itemProps8.xml><?xml version="1.0" encoding="utf-8"?>
-<ds:datastoreItem xmlns:ds="http://schemas.openxmlformats.org/officeDocument/2006/customXml" ds:itemID="{ABFE2FA2-C5FC-44B7-8207-D63AF1B2F796}">
-  <ds:schemaRefs>
-    <ds:schemaRef ds:uri="http://schemas.microsoft.com/VisualStudio/2011/storyboarding/control"/>
-  </ds:schemaRefs>
-</ds:datastoreItem>
-</file>
-
 <file path=customXml/itemProps9.xml><?xml version="1.0" encoding="utf-8"?>
-<ds:datastoreItem xmlns:ds="http://schemas.openxmlformats.org/officeDocument/2006/customXml" ds:itemID="{DBACCEAD-B58D-41CC-8B2C-516EFE153735}">
+<ds:datastoreItem xmlns:ds="http://schemas.openxmlformats.org/officeDocument/2006/customXml" ds:itemID="{E9B23BC6-07EE-40E2-8F3C-7CE3FB077A0F}">
   <ds:schemaRefs>
     <ds:schemaRef ds:uri="http://schemas.microsoft.com/VisualStudio/2011/storyboarding/control"/>
   </ds:schemaRefs>
